--- a/slides/COP2073C-Module11.pptx
+++ b/slides/COP2073C-Module11.pptx
@@ -230,7 +230,7 @@
           <a:p>
             <a:fld id="{2A37B5DA-8E33-465E-AA6E-3D89F39FC24F}" type="datetimeFigureOut">
               <a:rPr lang="en-US" smtClean="0"/>
-              <a:t>8/1/2020</a:t>
+              <a:t>1/1/2023</a:t>
             </a:fld>
             <a:endParaRPr lang="en-US" dirty="0"/>
           </a:p>
@@ -4075,20 +4075,20 @@
         </p:spPr>
         <p:txBody>
           <a:bodyPr>
-            <a:normAutofit fontScale="92500" lnSpcReduction="20000"/>
+            <a:normAutofit/>
           </a:bodyPr>
           <a:lstStyle/>
           <a:p>
             <a:r>
-              <a:rPr lang="en-US" sz="3000" dirty="0"/>
+              <a:rPr lang="en-US" sz="2400" dirty="0"/>
               <a:t>y ~ x as an argument to </a:t>
             </a:r>
             <a:r>
-              <a:rPr lang="en-US" sz="3000" dirty="0" err="1"/>
+              <a:rPr lang="en-US" sz="2400" dirty="0" err="1"/>
               <a:t>lm</a:t>
             </a:r>
             <a:r>
-              <a:rPr lang="en-US" sz="3000" dirty="0"/>
+              <a:rPr lang="en-US" sz="2400" dirty="0"/>
               <a:t>() will translate to the function</a:t>
             </a:r>
           </a:p>
@@ -4096,14 +4096,14 @@
             <a:pPr marL="114300" indent="0">
               <a:buNone/>
             </a:pPr>
-            <a:endParaRPr lang="en-US" sz="1700" dirty="0"/>
+            <a:endParaRPr lang="en-US" sz="1400" dirty="0"/>
           </a:p>
           <a:p>
             <a:pPr marL="114300" indent="0">
               <a:buNone/>
             </a:pPr>
             <a:r>
-              <a:rPr lang="en-US" sz="3000" dirty="0"/>
+              <a:rPr lang="en-US" sz="2400" dirty="0"/>
               <a:t>              y = mx + b       (the slope and intercept are implicit)</a:t>
             </a:r>
           </a:p>
@@ -4111,32 +4111,37 @@
             <a:pPr marL="114300" indent="0">
               <a:buNone/>
             </a:pPr>
-            <a:endParaRPr lang="en-US" sz="1700" dirty="0"/>
-          </a:p>
-          <a:p>
-            <a:r>
-              <a:rPr lang="en-US" sz="3000" dirty="0" err="1"/>
+            <a:endParaRPr lang="en-US" sz="1400" dirty="0"/>
+          </a:p>
+          <a:p>
+            <a:r>
+              <a:rPr lang="en-US" sz="2400" dirty="0" err="1"/>
               <a:t>lm</a:t>
             </a:r>
             <a:r>
-              <a:rPr lang="en-US" sz="3000" dirty="0"/>
+              <a:rPr lang="en-US" sz="2400" dirty="0"/>
               <a:t>() actually finds the closest model in a single step using a sophisticated algorithm</a:t>
             </a:r>
           </a:p>
           <a:p>
             <a:pPr lvl="1"/>
             <a:r>
-              <a:rPr lang="en-US" sz="2600" dirty="0"/>
+              <a:rPr lang="en-US" dirty="0"/>
               <a:t>The </a:t>
             </a:r>
             <a:r>
-              <a:rPr lang="en-US" sz="2600" dirty="0" err="1"/>
+              <a:rPr lang="en-US" dirty="0" err="1"/>
               <a:t>coef</a:t>
             </a:r>
             <a:r>
-              <a:rPr lang="en-US" sz="2600" dirty="0"/>
-              <a:t>() function extracts the coefficients of the model</a:t>
-            </a:r>
+              <a:rPr lang="en-US" dirty="0"/>
+              <a:t>() function extracts the coefficients of </a:t>
+            </a:r>
+            <a:r>
+              <a:rPr lang="en-US"/>
+              <a:t>the model as a numeric vector</a:t>
+            </a:r>
+            <a:endParaRPr lang="en-US" sz="2600" dirty="0"/>
           </a:p>
         </p:txBody>
       </p:sp>
@@ -4247,20 +4252,27 @@
           </a:p>
           <a:p>
             <a:r>
+              <a:rPr lang="pt-BR" sz="2000">
+                <a:latin typeface="Courier New" panose="02070309020205020404" pitchFamily="49" charset="0"/>
+                <a:cs typeface="Courier New" panose="02070309020205020404" pitchFamily="49" charset="0"/>
+              </a:rPr>
+              <a:t>     geom_abline(aes(intercept = coefs[1], slope = coefs[2])) +     </a:t>
+            </a:r>
+          </a:p>
+          <a:p>
+            <a:r>
+              <a:rPr lang="pt-BR" sz="2000">
+                <a:latin typeface="Courier New" panose="02070309020205020404" pitchFamily="49" charset="0"/>
+                <a:cs typeface="Courier New" panose="02070309020205020404" pitchFamily="49" charset="0"/>
+              </a:rPr>
+              <a:t>     geom</a:t>
+            </a:r>
+            <a:r>
               <a:rPr lang="pt-BR" sz="2000" dirty="0">
                 <a:latin typeface="Courier New" panose="02070309020205020404" pitchFamily="49" charset="0"/>
                 <a:cs typeface="Courier New" panose="02070309020205020404" pitchFamily="49" charset="0"/>
               </a:rPr>
-              <a:t>     geom_abline(aes(intercept = 4.220822, slope = 2.051533)) +</a:t>
-            </a:r>
-          </a:p>
-          <a:p>
-            <a:r>
-              <a:rPr lang="pt-BR" sz="2000" dirty="0">
-                <a:latin typeface="Courier New" panose="02070309020205020404" pitchFamily="49" charset="0"/>
-                <a:cs typeface="Courier New" panose="02070309020205020404" pitchFamily="49" charset="0"/>
-              </a:rPr>
-              <a:t>     geom_point()</a:t>
+              <a:t>_point()</a:t>
             </a:r>
           </a:p>
         </p:txBody>
@@ -4465,44 +4477,23 @@
           </a:p>
           <a:p>
             <a:r>
-              <a:rPr lang="en-US" sz="2000" dirty="0">
+              <a:rPr lang="en-US" sz="2000">
                 <a:latin typeface="Courier New" panose="02070309020205020404" pitchFamily="49" charset="0"/>
                 <a:cs typeface="Courier New" panose="02070309020205020404" pitchFamily="49" charset="0"/>
               </a:rPr>
               <a:t>     </a:t>
             </a:r>
             <a:r>
-              <a:rPr lang="en-US" sz="2000" dirty="0" err="1">
-                <a:latin typeface="Courier New" panose="02070309020205020404" pitchFamily="49" charset="0"/>
-                <a:cs typeface="Courier New" panose="02070309020205020404" pitchFamily="49" charset="0"/>
-              </a:rPr>
-              <a:t>geom_abline</a:t>
-            </a:r>
-            <a:r>
-              <a:rPr lang="en-US" sz="2000" dirty="0">
-                <a:latin typeface="Courier New" panose="02070309020205020404" pitchFamily="49" charset="0"/>
-                <a:cs typeface="Courier New" panose="02070309020205020404" pitchFamily="49" charset="0"/>
-              </a:rPr>
-              <a:t>(</a:t>
-            </a:r>
-            <a:r>
-              <a:rPr lang="en-US" sz="2000" dirty="0" err="1">
-                <a:latin typeface="Courier New" panose="02070309020205020404" pitchFamily="49" charset="0"/>
-                <a:cs typeface="Courier New" panose="02070309020205020404" pitchFamily="49" charset="0"/>
-              </a:rPr>
-              <a:t>aes</a:t>
-            </a:r>
-            <a:r>
-              <a:rPr lang="en-US" sz="2000" dirty="0">
-                <a:latin typeface="Courier New" panose="02070309020205020404" pitchFamily="49" charset="0"/>
-                <a:cs typeface="Courier New" panose="02070309020205020404" pitchFamily="49" charset="0"/>
-              </a:rPr>
-              <a:t>(intercept = 4.220822, slope = 2.051533)) +</a:t>
-            </a:r>
-          </a:p>
-          <a:p>
-            <a:r>
-              <a:rPr lang="en-US" sz="2000" dirty="0">
+              <a:rPr lang="pt-BR" sz="2000">
+                <a:latin typeface="Courier New" panose="02070309020205020404" pitchFamily="49" charset="0"/>
+                <a:cs typeface="Courier New" panose="02070309020205020404" pitchFamily="49" charset="0"/>
+              </a:rPr>
+              <a:t>geom_abline(aes(intercept = coefs[1], slope = coefs[2])) +</a:t>
+            </a:r>
+          </a:p>
+          <a:p>
+            <a:r>
+              <a:rPr lang="en-US" sz="2000">
                 <a:latin typeface="Courier New" panose="02070309020205020404" pitchFamily="49" charset="0"/>
                 <a:cs typeface="Courier New" panose="02070309020205020404" pitchFamily="49" charset="0"/>
               </a:rPr>
@@ -5644,11 +5635,18 @@
               <a:buNone/>
             </a:pPr>
             <a:r>
+              <a:rPr lang="en-US">
+                <a:latin typeface="Courier New" panose="02070309020205020404" pitchFamily="49" charset="0"/>
+                <a:cs typeface="Courier New" panose="02070309020205020404" pitchFamily="49" charset="0"/>
+              </a:rPr>
+              <a:t>               linewidth </a:t>
+            </a:r>
+            <a:r>
               <a:rPr lang="en-US" dirty="0">
                 <a:latin typeface="Courier New" panose="02070309020205020404" pitchFamily="49" charset="0"/>
                 <a:cs typeface="Courier New" panose="02070309020205020404" pitchFamily="49" charset="0"/>
               </a:rPr>
-              <a:t>               size = 1)</a:t>
+              <a:t>= 1)</a:t>
             </a:r>
           </a:p>
         </p:txBody>
@@ -6337,7 +6335,7 @@
         <p:spPr>
           <a:xfrm>
             <a:off x="984738" y="1229360"/>
-            <a:ext cx="9636370" cy="5247640"/>
+            <a:ext cx="9636370" cy="5401840"/>
           </a:xfrm>
         </p:spPr>
         <p:txBody>
@@ -6569,8 +6567,12 @@
               <a:buChar char="•"/>
             </a:pPr>
             <a:r>
+              <a:rPr lang="en-US" sz="2000"/>
+              <a:t>there </a:t>
+            </a:r>
+            <a:r>
               <a:rPr lang="en-US" sz="2000" dirty="0"/>
-              <a:t>e.g. there are 3 actual values that are (approx.) 2 units away from the predicted value</a:t>
+              <a:t>are 3 actual values that are (approx.) 2 units away from the predicted value</a:t>
             </a:r>
           </a:p>
           <a:p>
@@ -6778,11 +6780,11 @@
               <a:t>ggplot</a:t>
             </a:r>
             <a:r>
-              <a:rPr lang="en-US" dirty="0">
-                <a:latin typeface="Courier New" panose="02070309020205020404" pitchFamily="49" charset="0"/>
-                <a:cs typeface="Courier New" panose="02070309020205020404" pitchFamily="49" charset="0"/>
-              </a:rPr>
-              <a:t>(sim1, </a:t>
+              <a:rPr lang="en-US">
+                <a:latin typeface="Courier New" panose="02070309020205020404" pitchFamily="49" charset="0"/>
+                <a:cs typeface="Courier New" panose="02070309020205020404" pitchFamily="49" charset="0"/>
+              </a:rPr>
+              <a:t>(sim1.R, </a:t>
             </a:r>
             <a:r>
               <a:rPr lang="en-US" dirty="0" err="1">
@@ -8290,12 +8292,12 @@
           </a:p>
           <a:p>
             <a:r>
-              <a:rPr lang="en-US" sz="2400" dirty="0"/>
-              <a:t>+     </a:t>
+              <a:rPr lang="en-US" sz="2400"/>
+              <a:t>       geom</a:t>
             </a:r>
             <a:r>
               <a:rPr lang="en-US" sz="2400" dirty="0" err="1"/>
-              <a:t>geom_freqpoly</a:t>
+              <a:t>_freqpoly</a:t>
             </a:r>
             <a:r>
               <a:rPr lang="en-US" sz="2400" dirty="0"/>
@@ -9912,8 +9914,8 @@
         </p:nvSpPr>
         <p:spPr>
           <a:xfrm>
-            <a:off x="1066800" y="1105320"/>
-            <a:ext cx="9530862" cy="5371681"/>
+            <a:off x="842400" y="1105320"/>
+            <a:ext cx="10303200" cy="5371681"/>
           </a:xfrm>
         </p:spPr>
         <p:txBody>
@@ -10014,7 +10016,7 @@
         </p:nvSpPr>
         <p:spPr>
           <a:xfrm>
-            <a:off x="609601" y="4876242"/>
+            <a:off x="999969" y="4897842"/>
             <a:ext cx="9988061" cy="1200329"/>
           </a:xfrm>
           <a:prstGeom prst="rect">
